--- a/Internet stavri i servisi.pptx
+++ b/Internet stavri i servisi.pptx
@@ -16,17 +16,16 @@
     <p:sldId id="269" r:id="rId10"/>
     <p:sldId id="273" r:id="rId11"/>
     <p:sldId id="260" r:id="rId12"/>
-    <p:sldId id="261" r:id="rId13"/>
-    <p:sldId id="268" r:id="rId14"/>
-    <p:sldId id="274" r:id="rId15"/>
-    <p:sldId id="270" r:id="rId16"/>
-    <p:sldId id="265" r:id="rId17"/>
-    <p:sldId id="263" r:id="rId18"/>
-    <p:sldId id="264" r:id="rId19"/>
-    <p:sldId id="271" r:id="rId20"/>
-    <p:sldId id="275" r:id="rId21"/>
-    <p:sldId id="276" r:id="rId22"/>
-    <p:sldId id="277" r:id="rId23"/>
+    <p:sldId id="268" r:id="rId13"/>
+    <p:sldId id="274" r:id="rId14"/>
+    <p:sldId id="270" r:id="rId15"/>
+    <p:sldId id="265" r:id="rId16"/>
+    <p:sldId id="263" r:id="rId17"/>
+    <p:sldId id="264" r:id="rId18"/>
+    <p:sldId id="271" r:id="rId19"/>
+    <p:sldId id="275" r:id="rId20"/>
+    <p:sldId id="276" r:id="rId21"/>
+    <p:sldId id="277" r:id="rId22"/>
   </p:sldIdLst>
   <p:sldSz cx="12192000" cy="6858000"/>
   <p:notesSz cx="6858000" cy="9144000"/>
@@ -359,7 +358,7 @@
           <a:p>
             <a:fld id="{4BDF68E2-58F2-4D09-BE8B-E3BD06533059}" type="datetimeFigureOut">
               <a:rPr lang="en-US" dirty="0"/>
-              <a:t>6/7/2024</a:t>
+              <a:t>6/28/2024</a:t>
             </a:fld>
             <a:endParaRPr lang="en-US" dirty="0"/>
           </a:p>
@@ -562,7 +561,7 @@
           <a:p>
             <a:fld id="{2E2D6473-DF6D-4702-B328-E0DD40540A4E}" type="datetimeFigureOut">
               <a:rPr lang="en-US" dirty="0"/>
-              <a:t>6/7/2024</a:t>
+              <a:t>6/28/2024</a:t>
             </a:fld>
             <a:endParaRPr lang="en-US" dirty="0"/>
           </a:p>
@@ -813,7 +812,7 @@
           <a:p>
             <a:fld id="{E26F7E3A-B166-407D-9866-32884E7D5B37}" type="datetimeFigureOut">
               <a:rPr lang="en-US" dirty="0"/>
-              <a:t>6/7/2024</a:t>
+              <a:t>6/28/2024</a:t>
             </a:fld>
             <a:endParaRPr lang="en-US" dirty="0"/>
           </a:p>
@@ -982,7 +981,7 @@
           <a:p>
             <a:fld id="{528FC5F6-F338-4AE4-BB23-26385BCFC423}" type="datetimeFigureOut">
               <a:rPr lang="en-US" dirty="0"/>
-              <a:t>6/7/2024</a:t>
+              <a:t>6/28/2024</a:t>
             </a:fld>
             <a:endParaRPr lang="en-US" dirty="0"/>
           </a:p>
@@ -1320,7 +1319,7 @@
           <a:p>
             <a:fld id="{20EBB0C4-6273-4C6E-B9BD-2EDC30F1CD52}" type="datetimeFigureOut">
               <a:rPr lang="en-US" dirty="0"/>
-              <a:t>6/7/2024</a:t>
+              <a:t>6/28/2024</a:t>
             </a:fld>
             <a:endParaRPr lang="en-US" dirty="0"/>
           </a:p>
@@ -1590,7 +1589,7 @@
           <a:p>
             <a:fld id="{19AB4D41-86C1-4908-B66A-0B50CEB3BF29}" type="datetimeFigureOut">
               <a:rPr lang="en-US" dirty="0"/>
-              <a:t>6/7/2024</a:t>
+              <a:t>6/28/2024</a:t>
             </a:fld>
             <a:endParaRPr lang="en-US" dirty="0"/>
           </a:p>
@@ -1964,7 +1963,7 @@
           <a:p>
             <a:fld id="{E6426E2C-56C1-4E0D-A793-0088A7FDD37E}" type="datetimeFigureOut">
               <a:rPr lang="en-US" dirty="0"/>
-              <a:t>6/7/2024</a:t>
+              <a:t>6/28/2024</a:t>
             </a:fld>
             <a:endParaRPr lang="en-US" dirty="0"/>
           </a:p>
@@ -2077,7 +2076,7 @@
           <a:p>
             <a:fld id="{C8C39B41-D8B5-4052-B551-9B5525EAA8B6}" type="datetimeFigureOut">
               <a:rPr lang="en-US" dirty="0"/>
-              <a:t>6/7/2024</a:t>
+              <a:t>6/28/2024</a:t>
             </a:fld>
             <a:endParaRPr lang="en-US" dirty="0"/>
           </a:p>
@@ -2243,7 +2242,7 @@
           <a:p>
             <a:fld id="{4D94136C-8742-45B2-AF27-D93DF72833A9}" type="datetimeFigureOut">
               <a:rPr lang="en-US" dirty="0"/>
-              <a:t>6/7/2024</a:t>
+              <a:t>6/28/2024</a:t>
             </a:fld>
             <a:endParaRPr lang="en-US" dirty="0"/>
           </a:p>
@@ -2593,7 +2592,7 @@
           <a:p>
             <a:fld id="{32ABBEA6-7C60-4B02-AE87-00D78D8422AF}" type="datetimeFigureOut">
               <a:rPr lang="en-US" dirty="0"/>
-              <a:t>6/7/2024</a:t>
+              <a:t>6/28/2024</a:t>
             </a:fld>
             <a:endParaRPr lang="en-US" dirty="0"/>
           </a:p>
@@ -2971,7 +2970,7 @@
           <a:p>
             <a:fld id="{C9CAD897-D46E-4AD2-BD9B-49DD3E640873}" type="datetimeFigureOut">
               <a:rPr lang="en-US" dirty="0"/>
-              <a:t>6/7/2024</a:t>
+              <a:t>6/28/2024</a:t>
             </a:fld>
             <a:endParaRPr lang="en-US" dirty="0"/>
           </a:p>
@@ -3253,7 +3252,7 @@
           <a:p>
             <a:fld id="{98624D31-43A5-475A-80CF-332C9F6DCF35}" type="datetimeFigureOut">
               <a:rPr lang="en-US" dirty="0"/>
-              <a:t>6/7/2024</a:t>
+              <a:t>6/28/2024</a:t>
             </a:fld>
             <a:endParaRPr lang="en-US" dirty="0"/>
           </a:p>
@@ -3796,7 +3795,15 @@
           <a:p>
             <a:r>
               <a:rPr lang="en-US" dirty="0" smtClean="0"/>
-              <a:t>Internet stavri </a:t>
+              <a:t>Internet </a:t>
+            </a:r>
+            <a:r>
+              <a:rPr lang="en-US" dirty="0" err="1" smtClean="0"/>
+              <a:t>stvari</a:t>
+            </a:r>
+            <a:r>
+              <a:rPr lang="en-US" dirty="0" smtClean="0"/>
+              <a:t> </a:t>
             </a:r>
             <a:r>
               <a:rPr lang="en-US" dirty="0" err="1" smtClean="0"/>
@@ -4133,85 +4140,20 @@
         </p:nvSpPr>
         <p:spPr/>
         <p:txBody>
-          <a:bodyPr>
-            <a:normAutofit/>
-          </a:bodyPr>
-          <a:lstStyle/>
-          <a:p>
-            <a:r>
-              <a:rPr lang="en-US" sz="4400" dirty="0" smtClean="0"/>
-              <a:t>Analytics </a:t>
-            </a:r>
-            <a:r>
-              <a:rPr lang="en-150" sz="4400" dirty="0" smtClean="0"/>
-              <a:t>–</a:t>
-            </a:r>
-            <a:r>
-              <a:rPr lang="en-US" sz="4400" dirty="0" smtClean="0"/>
-              <a:t> </a:t>
-            </a:r>
-            <a:r>
-              <a:rPr lang="en-US" sz="4400" dirty="0" err="1" smtClean="0"/>
-              <a:t>prijem</a:t>
-            </a:r>
-            <a:r>
-              <a:rPr lang="en-US" sz="4400" dirty="0" smtClean="0"/>
-              <a:t>, </a:t>
-            </a:r>
-            <a:r>
-              <a:rPr lang="en-US" sz="4400" dirty="0" err="1" smtClean="0"/>
-              <a:t>obrada</a:t>
-            </a:r>
-            <a:r>
-              <a:rPr lang="en-US" sz="4400" dirty="0" smtClean="0"/>
-              <a:t> </a:t>
-            </a:r>
-            <a:r>
-              <a:rPr lang="en-US" sz="4400" dirty="0" err="1" smtClean="0"/>
-              <a:t>i</a:t>
-            </a:r>
-            <a:r>
-              <a:rPr lang="en-US" sz="4400" dirty="0" smtClean="0"/>
-              <a:t> </a:t>
-            </a:r>
-            <a:r>
-              <a:rPr lang="en-US" sz="4400" dirty="0" err="1" smtClean="0"/>
-              <a:t>slanje</a:t>
-            </a:r>
-            <a:r>
-              <a:rPr lang="en-US" sz="4400" dirty="0" smtClean="0"/>
-              <a:t> </a:t>
-            </a:r>
-            <a:r>
-              <a:rPr lang="en-US" sz="4400" dirty="0" err="1" smtClean="0"/>
-              <a:t>poruka</a:t>
-            </a:r>
-            <a:endParaRPr lang="en-US" sz="4400" dirty="0"/>
-          </a:p>
-        </p:txBody>
-      </p:sp>
-      <p:sp>
-        <p:nvSpPr>
-          <p:cNvPr id="3" name="Content Placeholder 2"/>
-          <p:cNvSpPr>
-            <a:spLocks noGrp="1"/>
-          </p:cNvSpPr>
-          <p:nvPr>
-            <p:ph idx="1"/>
-          </p:nvPr>
-        </p:nvSpPr>
-        <p:spPr/>
-        <p:txBody>
           <a:bodyPr/>
           <a:lstStyle/>
           <a:p>
-            <a:endParaRPr lang="en-US"/>
+            <a:r>
+              <a:rPr lang="en-US" dirty="0" smtClean="0"/>
+              <a:t>Analytics</a:t>
+            </a:r>
+            <a:endParaRPr lang="en-US" dirty="0"/>
           </a:p>
         </p:txBody>
       </p:sp>
       <p:pic>
         <p:nvPicPr>
-          <p:cNvPr id="7" name="Picture 6"/>
+          <p:cNvPr id="4" name="Picture 3"/>
           <p:cNvPicPr>
             <a:picLocks noChangeAspect="1"/>
           </p:cNvPicPr>
@@ -4225,8 +4167,8 @@
         </p:blipFill>
         <p:spPr>
           <a:xfrm>
-            <a:off x="1023195" y="1845734"/>
-            <a:ext cx="9414767" cy="4462440"/>
+            <a:off x="1288060" y="1928191"/>
+            <a:ext cx="7166878" cy="4210216"/>
           </a:xfrm>
           <a:prstGeom prst="rect">
             <a:avLst/>
@@ -4236,20 +4178,13 @@
     </p:spTree>
     <p:extLst>
       <p:ext uri="{BB962C8B-B14F-4D97-AF65-F5344CB8AC3E}">
-        <p14:creationId xmlns:p14="http://schemas.microsoft.com/office/powerpoint/2010/main" val="2141430462"/>
+        <p14:creationId xmlns:p14="http://schemas.microsoft.com/office/powerpoint/2010/main" val="4231414344"/>
       </p:ext>
     </p:extLst>
   </p:cSld>
   <p:clrMapOvr>
     <a:masterClrMapping/>
   </p:clrMapOvr>
-  <p:timing>
-    <p:tnLst>
-      <p:par>
-        <p:cTn id="1" dur="indefinite" restart="never" nodeType="tmRoot"/>
-      </p:par>
-    </p:tnLst>
-  </p:timing>
 </p:sld>
 </file>
 
@@ -4287,7 +4222,23 @@
           <a:p>
             <a:r>
               <a:rPr lang="en-US" dirty="0" smtClean="0"/>
-              <a:t>Analytics</a:t>
+              <a:t>Analytics </a:t>
+            </a:r>
+            <a:r>
+              <a:rPr lang="en-150" dirty="0" smtClean="0"/>
+              <a:t>–</a:t>
+            </a:r>
+            <a:r>
+              <a:rPr lang="en-US" dirty="0" smtClean="0"/>
+              <a:t> </a:t>
+            </a:r>
+            <a:r>
+              <a:rPr lang="en-US" dirty="0" err="1" smtClean="0"/>
+              <a:t>Dockerfile</a:t>
+            </a:r>
+            <a:r>
+              <a:rPr lang="en-US" dirty="0" smtClean="0"/>
+              <a:t> </a:t>
             </a:r>
             <a:endParaRPr lang="en-US" dirty="0"/>
           </a:p>
@@ -4309,8 +4260,8 @@
         </p:blipFill>
         <p:spPr>
           <a:xfrm>
-            <a:off x="1288060" y="1928191"/>
-            <a:ext cx="7166878" cy="4210216"/>
+            <a:off x="1097280" y="1885950"/>
+            <a:ext cx="7648996" cy="4343400"/>
           </a:xfrm>
           <a:prstGeom prst="rect">
             <a:avLst/>
@@ -4320,7 +4271,7 @@
     </p:spTree>
     <p:extLst>
       <p:ext uri="{BB962C8B-B14F-4D97-AF65-F5344CB8AC3E}">
-        <p14:creationId xmlns:p14="http://schemas.microsoft.com/office/powerpoint/2010/main" val="4231414344"/>
+        <p14:creationId xmlns:p14="http://schemas.microsoft.com/office/powerpoint/2010/main" val="844124033"/>
       </p:ext>
     </p:extLst>
   </p:cSld>
@@ -4376,11 +4327,11 @@
             </a:r>
             <a:r>
               <a:rPr lang="en-US" dirty="0" err="1" smtClean="0"/>
-              <a:t>Dockerfile</a:t>
+              <a:t>docker</a:t>
             </a:r>
             <a:r>
               <a:rPr lang="en-US" dirty="0" smtClean="0"/>
-              <a:t> </a:t>
+              <a:t> logs</a:t>
             </a:r>
             <a:endParaRPr lang="en-US" dirty="0"/>
           </a:p>
@@ -4402,8 +4353,8 @@
         </p:blipFill>
         <p:spPr>
           <a:xfrm>
-            <a:off x="1097280" y="1885950"/>
-            <a:ext cx="7648996" cy="4343400"/>
+            <a:off x="999909" y="1809750"/>
+            <a:ext cx="10253142" cy="4438650"/>
           </a:xfrm>
           <a:prstGeom prst="rect">
             <a:avLst/>
@@ -4413,7 +4364,7 @@
     </p:spTree>
     <p:extLst>
       <p:ext uri="{BB962C8B-B14F-4D97-AF65-F5344CB8AC3E}">
-        <p14:creationId xmlns:p14="http://schemas.microsoft.com/office/powerpoint/2010/main" val="844124033"/>
+        <p14:creationId xmlns:p14="http://schemas.microsoft.com/office/powerpoint/2010/main" val="2652274886"/>
       </p:ext>
     </p:extLst>
   </p:cSld>
@@ -4456,24 +4407,8 @@
           <a:lstStyle/>
           <a:p>
             <a:r>
-              <a:rPr lang="en-US" dirty="0" smtClean="0"/>
-              <a:t>Analytics </a:t>
-            </a:r>
-            <a:r>
-              <a:rPr lang="en-150" dirty="0" smtClean="0"/>
-              <a:t>–</a:t>
-            </a:r>
-            <a:r>
-              <a:rPr lang="en-US" dirty="0" smtClean="0"/>
-              <a:t> </a:t>
-            </a:r>
-            <a:r>
               <a:rPr lang="en-US" dirty="0" err="1" smtClean="0"/>
-              <a:t>docker</a:t>
-            </a:r>
-            <a:r>
-              <a:rPr lang="en-US" dirty="0" smtClean="0"/>
-              <a:t> logs</a:t>
+              <a:t>EventInfo</a:t>
             </a:r>
             <a:endParaRPr lang="en-US" dirty="0"/>
           </a:p>
@@ -4481,11 +4416,13 @@
       </p:sp>
       <p:pic>
         <p:nvPicPr>
-          <p:cNvPr id="4" name="Picture 3"/>
+          <p:cNvPr id="4" name="Content Placeholder 3"/>
           <p:cNvPicPr>
-            <a:picLocks noChangeAspect="1"/>
+            <a:picLocks noGrp="1" noChangeAspect="1"/>
           </p:cNvPicPr>
-          <p:nvPr/>
+          <p:nvPr>
+            <p:ph idx="1"/>
+          </p:nvPr>
         </p:nvPicPr>
         <p:blipFill>
           <a:blip r:embed="rId2"/>
@@ -4495,8 +4432,56 @@
         </p:blipFill>
         <p:spPr>
           <a:xfrm>
-            <a:off x="999909" y="1809750"/>
-            <a:ext cx="10253142" cy="4438650"/>
+            <a:off x="1207009" y="1920187"/>
+            <a:ext cx="3381847" cy="1362265"/>
+          </a:xfrm>
+          <a:prstGeom prst="rect">
+            <a:avLst/>
+          </a:prstGeom>
+        </p:spPr>
+      </p:pic>
+      <p:pic>
+        <p:nvPicPr>
+          <p:cNvPr id="5" name="Picture 4"/>
+          <p:cNvPicPr>
+            <a:picLocks noChangeAspect="1"/>
+          </p:cNvPicPr>
+          <p:nvPr/>
+        </p:nvPicPr>
+        <p:blipFill>
+          <a:blip r:embed="rId3"/>
+          <a:stretch>
+            <a:fillRect/>
+          </a:stretch>
+        </p:blipFill>
+        <p:spPr>
+          <a:xfrm>
+            <a:off x="3030611" y="3465279"/>
+            <a:ext cx="7687748" cy="981212"/>
+          </a:xfrm>
+          <a:prstGeom prst="rect">
+            <a:avLst/>
+          </a:prstGeom>
+        </p:spPr>
+      </p:pic>
+      <p:pic>
+        <p:nvPicPr>
+          <p:cNvPr id="6" name="Picture 5"/>
+          <p:cNvPicPr>
+            <a:picLocks noChangeAspect="1"/>
+          </p:cNvPicPr>
+          <p:nvPr/>
+        </p:nvPicPr>
+        <p:blipFill>
+          <a:blip r:embed="rId4"/>
+          <a:stretch>
+            <a:fillRect/>
+          </a:stretch>
+        </p:blipFill>
+        <p:spPr>
+          <a:xfrm>
+            <a:off x="1298739" y="4526005"/>
+            <a:ext cx="4458005" cy="1763426"/>
           </a:xfrm>
           <a:prstGeom prst="rect">
             <a:avLst/>
@@ -4506,13 +4491,20 @@
     </p:spTree>
     <p:extLst>
       <p:ext uri="{BB962C8B-B14F-4D97-AF65-F5344CB8AC3E}">
-        <p14:creationId xmlns:p14="http://schemas.microsoft.com/office/powerpoint/2010/main" val="2652274886"/>
+        <p14:creationId xmlns:p14="http://schemas.microsoft.com/office/powerpoint/2010/main" val="754952623"/>
       </p:ext>
     </p:extLst>
   </p:cSld>
   <p:clrMapOvr>
     <a:masterClrMapping/>
   </p:clrMapOvr>
+  <p:timing>
+    <p:tnLst>
+      <p:par>
+        <p:cTn id="1" dur="indefinite" restart="never" nodeType="tmRoot"/>
+      </p:par>
+    </p:tnLst>
+  </p:timing>
 </p:sld>
 </file>
 
@@ -4558,13 +4550,11 @@
       </p:sp>
       <p:pic>
         <p:nvPicPr>
-          <p:cNvPr id="4" name="Content Placeholder 3"/>
+          <p:cNvPr id="5" name="Picture 4"/>
           <p:cNvPicPr>
-            <a:picLocks noGrp="1" noChangeAspect="1"/>
+            <a:picLocks noChangeAspect="1"/>
           </p:cNvPicPr>
-          <p:nvPr>
-            <p:ph idx="1"/>
-          </p:nvPr>
+          <p:nvPr/>
         </p:nvPicPr>
         <p:blipFill>
           <a:blip r:embed="rId2"/>
@@ -4574,56 +4564,8 @@
         </p:blipFill>
         <p:spPr>
           <a:xfrm>
-            <a:off x="1207009" y="1920187"/>
-            <a:ext cx="3381847" cy="1362265"/>
-          </a:xfrm>
-          <a:prstGeom prst="rect">
-            <a:avLst/>
-          </a:prstGeom>
-        </p:spPr>
-      </p:pic>
-      <p:pic>
-        <p:nvPicPr>
-          <p:cNvPr id="5" name="Picture 4"/>
-          <p:cNvPicPr>
-            <a:picLocks noChangeAspect="1"/>
-          </p:cNvPicPr>
-          <p:nvPr/>
-        </p:nvPicPr>
-        <p:blipFill>
-          <a:blip r:embed="rId3"/>
-          <a:stretch>
-            <a:fillRect/>
-          </a:stretch>
-        </p:blipFill>
-        <p:spPr>
-          <a:xfrm>
-            <a:off x="3030611" y="3465279"/>
-            <a:ext cx="7687748" cy="981212"/>
-          </a:xfrm>
-          <a:prstGeom prst="rect">
-            <a:avLst/>
-          </a:prstGeom>
-        </p:spPr>
-      </p:pic>
-      <p:pic>
-        <p:nvPicPr>
-          <p:cNvPr id="6" name="Picture 5"/>
-          <p:cNvPicPr>
-            <a:picLocks noChangeAspect="1"/>
-          </p:cNvPicPr>
-          <p:nvPr/>
-        </p:nvPicPr>
-        <p:blipFill>
-          <a:blip r:embed="rId4"/>
-          <a:stretch>
-            <a:fillRect/>
-          </a:stretch>
-        </p:blipFill>
-        <p:spPr>
-          <a:xfrm>
-            <a:off x="1298739" y="4526005"/>
-            <a:ext cx="4458005" cy="1763426"/>
+            <a:off x="1157844" y="1884198"/>
+            <a:ext cx="7459116" cy="3153215"/>
           </a:xfrm>
           <a:prstGeom prst="rect">
             <a:avLst/>
@@ -4633,7 +4575,7 @@
     </p:spTree>
     <p:extLst>
       <p:ext uri="{BB962C8B-B14F-4D97-AF65-F5344CB8AC3E}">
-        <p14:creationId xmlns:p14="http://schemas.microsoft.com/office/powerpoint/2010/main" val="754952623"/>
+        <p14:creationId xmlns:p14="http://schemas.microsoft.com/office/powerpoint/2010/main" val="2445710201"/>
       </p:ext>
     </p:extLst>
   </p:cSld>
@@ -4683,8 +4625,16 @@
           <a:lstStyle/>
           <a:p>
             <a:r>
+              <a:rPr lang="en-US" dirty="0" err="1"/>
+              <a:t>E</a:t>
+            </a:r>
+            <a:r>
               <a:rPr lang="en-US" dirty="0" err="1" smtClean="0"/>
-              <a:t>EventInfo</a:t>
+              <a:t>ventInfo</a:t>
+            </a:r>
+            <a:r>
+              <a:rPr lang="en-US" dirty="0" smtClean="0"/>
+              <a:t> - controller</a:t>
             </a:r>
             <a:endParaRPr lang="en-US" dirty="0"/>
           </a:p>
@@ -4706,8 +4656,8 @@
         </p:blipFill>
         <p:spPr>
           <a:xfrm>
-            <a:off x="1157844" y="1884198"/>
-            <a:ext cx="7459116" cy="3153215"/>
+            <a:off x="1235102" y="1852265"/>
+            <a:ext cx="4617058" cy="4139432"/>
           </a:xfrm>
           <a:prstGeom prst="rect">
             <a:avLst/>
@@ -4717,7 +4667,7 @@
     </p:spTree>
     <p:extLst>
       <p:ext uri="{BB962C8B-B14F-4D97-AF65-F5344CB8AC3E}">
-        <p14:creationId xmlns:p14="http://schemas.microsoft.com/office/powerpoint/2010/main" val="2445710201"/>
+        <p14:creationId xmlns:p14="http://schemas.microsoft.com/office/powerpoint/2010/main" val="1384255454"/>
       </p:ext>
     </p:extLst>
   </p:cSld>
@@ -4767,16 +4717,24 @@
           <a:lstStyle/>
           <a:p>
             <a:r>
-              <a:rPr lang="en-US" dirty="0" err="1"/>
-              <a:t>E</a:t>
-            </a:r>
-            <a:r>
               <a:rPr lang="en-US" dirty="0" err="1" smtClean="0"/>
-              <a:t>ventInfo</a:t>
+              <a:t>EventInfo</a:t>
             </a:r>
             <a:r>
               <a:rPr lang="en-US" dirty="0" smtClean="0"/>
-              <a:t> - controller</a:t>
+              <a:t> </a:t>
+            </a:r>
+            <a:r>
+              <a:rPr lang="en-150" dirty="0" smtClean="0"/>
+              <a:t>–</a:t>
+            </a:r>
+            <a:r>
+              <a:rPr lang="en-US" dirty="0" smtClean="0"/>
+              <a:t> </a:t>
+            </a:r>
+            <a:r>
+              <a:rPr lang="en-US" dirty="0" err="1" smtClean="0"/>
+              <a:t>GetAll</a:t>
             </a:r>
             <a:endParaRPr lang="en-US" dirty="0"/>
           </a:p>
@@ -4784,7 +4742,7 @@
       </p:sp>
       <p:pic>
         <p:nvPicPr>
-          <p:cNvPr id="5" name="Picture 4"/>
+          <p:cNvPr id="4" name="Picture 3"/>
           <p:cNvPicPr>
             <a:picLocks noChangeAspect="1"/>
           </p:cNvPicPr>
@@ -4798,8 +4756,32 @@
         </p:blipFill>
         <p:spPr>
           <a:xfrm>
-            <a:off x="1235102" y="1852265"/>
-            <a:ext cx="4617058" cy="4139432"/>
+            <a:off x="1380827" y="1809496"/>
+            <a:ext cx="4267796" cy="3639058"/>
+          </a:xfrm>
+          <a:prstGeom prst="rect">
+            <a:avLst/>
+          </a:prstGeom>
+        </p:spPr>
+      </p:pic>
+      <p:pic>
+        <p:nvPicPr>
+          <p:cNvPr id="5" name="Picture 4"/>
+          <p:cNvPicPr>
+            <a:picLocks noChangeAspect="1"/>
+          </p:cNvPicPr>
+          <p:nvPr/>
+        </p:nvPicPr>
+        <p:blipFill>
+          <a:blip r:embed="rId3"/>
+          <a:stretch>
+            <a:fillRect/>
+          </a:stretch>
+        </p:blipFill>
+        <p:spPr>
+          <a:xfrm>
+            <a:off x="6019800" y="1809496"/>
+            <a:ext cx="4552950" cy="3550866"/>
           </a:xfrm>
           <a:prstGeom prst="rect">
             <a:avLst/>
@@ -4809,20 +4791,13 @@
     </p:spTree>
     <p:extLst>
       <p:ext uri="{BB962C8B-B14F-4D97-AF65-F5344CB8AC3E}">
-        <p14:creationId xmlns:p14="http://schemas.microsoft.com/office/powerpoint/2010/main" val="1384255454"/>
+        <p14:creationId xmlns:p14="http://schemas.microsoft.com/office/powerpoint/2010/main" val="2870887494"/>
       </p:ext>
     </p:extLst>
   </p:cSld>
   <p:clrMapOvr>
     <a:masterClrMapping/>
   </p:clrMapOvr>
-  <p:timing>
-    <p:tnLst>
-      <p:par>
-        <p:cTn id="1" dur="indefinite" restart="never" nodeType="tmRoot"/>
-      </p:par>
-    </p:tnLst>
-  </p:timing>
 </p:sld>
 </file>
 
@@ -4876,7 +4851,11 @@
             </a:r>
             <a:r>
               <a:rPr lang="en-US" dirty="0" err="1" smtClean="0"/>
-              <a:t>GetAll</a:t>
+              <a:t>Dockerfile</a:t>
+            </a:r>
+            <a:r>
+              <a:rPr lang="en-US" dirty="0" smtClean="0"/>
+              <a:t> </a:t>
             </a:r>
             <a:endParaRPr lang="en-US" dirty="0"/>
           </a:p>
@@ -4898,32 +4877,8 @@
         </p:blipFill>
         <p:spPr>
           <a:xfrm>
-            <a:off x="1380827" y="1809496"/>
-            <a:ext cx="4267796" cy="3639058"/>
-          </a:xfrm>
-          <a:prstGeom prst="rect">
-            <a:avLst/>
-          </a:prstGeom>
-        </p:spPr>
-      </p:pic>
-      <p:pic>
-        <p:nvPicPr>
-          <p:cNvPr id="5" name="Picture 4"/>
-          <p:cNvPicPr>
-            <a:picLocks noChangeAspect="1"/>
-          </p:cNvPicPr>
-          <p:nvPr/>
-        </p:nvPicPr>
-        <p:blipFill>
-          <a:blip r:embed="rId3"/>
-          <a:stretch>
-            <a:fillRect/>
-          </a:stretch>
-        </p:blipFill>
-        <p:spPr>
-          <a:xfrm>
-            <a:off x="6019800" y="1809496"/>
-            <a:ext cx="4552950" cy="3550866"/>
+            <a:off x="1097280" y="1906287"/>
+            <a:ext cx="9418320" cy="4283676"/>
           </a:xfrm>
           <a:prstGeom prst="rect">
             <a:avLst/>
@@ -4933,7 +4888,7 @@
     </p:spTree>
     <p:extLst>
       <p:ext uri="{BB962C8B-B14F-4D97-AF65-F5344CB8AC3E}">
-        <p14:creationId xmlns:p14="http://schemas.microsoft.com/office/powerpoint/2010/main" val="2870887494"/>
+        <p14:creationId xmlns:p14="http://schemas.microsoft.com/office/powerpoint/2010/main" val="3591812275"/>
       </p:ext>
     </p:extLst>
   </p:cSld>
@@ -5294,103 +5249,6 @@
           <a:lstStyle/>
           <a:p>
             <a:r>
-              <a:rPr lang="en-US" dirty="0" err="1" smtClean="0"/>
-              <a:t>EventInfo</a:t>
-            </a:r>
-            <a:r>
-              <a:rPr lang="en-US" dirty="0" smtClean="0"/>
-              <a:t> </a:t>
-            </a:r>
-            <a:r>
-              <a:rPr lang="en-150" dirty="0" smtClean="0"/>
-              <a:t>–</a:t>
-            </a:r>
-            <a:r>
-              <a:rPr lang="en-US" dirty="0" smtClean="0"/>
-              <a:t> </a:t>
-            </a:r>
-            <a:r>
-              <a:rPr lang="en-US" dirty="0" err="1" smtClean="0"/>
-              <a:t>Dockerfile</a:t>
-            </a:r>
-            <a:r>
-              <a:rPr lang="en-US" dirty="0" smtClean="0"/>
-              <a:t> </a:t>
-            </a:r>
-            <a:endParaRPr lang="en-US" dirty="0"/>
-          </a:p>
-        </p:txBody>
-      </p:sp>
-      <p:pic>
-        <p:nvPicPr>
-          <p:cNvPr id="4" name="Picture 3"/>
-          <p:cNvPicPr>
-            <a:picLocks noChangeAspect="1"/>
-          </p:cNvPicPr>
-          <p:nvPr/>
-        </p:nvPicPr>
-        <p:blipFill>
-          <a:blip r:embed="rId2"/>
-          <a:stretch>
-            <a:fillRect/>
-          </a:stretch>
-        </p:blipFill>
-        <p:spPr>
-          <a:xfrm>
-            <a:off x="1097280" y="1906287"/>
-            <a:ext cx="9418320" cy="4283676"/>
-          </a:xfrm>
-          <a:prstGeom prst="rect">
-            <a:avLst/>
-          </a:prstGeom>
-        </p:spPr>
-      </p:pic>
-    </p:spTree>
-    <p:extLst>
-      <p:ext uri="{BB962C8B-B14F-4D97-AF65-F5344CB8AC3E}">
-        <p14:creationId xmlns:p14="http://schemas.microsoft.com/office/powerpoint/2010/main" val="3591812275"/>
-      </p:ext>
-    </p:extLst>
-  </p:cSld>
-  <p:clrMapOvr>
-    <a:masterClrMapping/>
-  </p:clrMapOvr>
-</p:sld>
-</file>
-
-<file path=ppt/slides/slide21.xml><?xml version="1.0" encoding="utf-8"?>
-<p:sld xmlns:a="http://schemas.openxmlformats.org/drawingml/2006/main" xmlns:r="http://schemas.openxmlformats.org/officeDocument/2006/relationships" xmlns:p="http://schemas.openxmlformats.org/presentationml/2006/main">
-  <p:cSld>
-    <p:spTree>
-      <p:nvGrpSpPr>
-        <p:cNvPr id="1" name=""/>
-        <p:cNvGrpSpPr/>
-        <p:nvPr/>
-      </p:nvGrpSpPr>
-      <p:grpSpPr>
-        <a:xfrm>
-          <a:off x="0" y="0"/>
-          <a:ext cx="0" cy="0"/>
-          <a:chOff x="0" y="0"/>
-          <a:chExt cx="0" cy="0"/>
-        </a:xfrm>
-      </p:grpSpPr>
-      <p:sp>
-        <p:nvSpPr>
-          <p:cNvPr id="2" name="Title 1"/>
-          <p:cNvSpPr>
-            <a:spLocks noGrp="1"/>
-          </p:cNvSpPr>
-          <p:nvPr>
-            <p:ph type="title"/>
-          </p:nvPr>
-        </p:nvSpPr>
-        <p:spPr/>
-        <p:txBody>
-          <a:bodyPr/>
-          <a:lstStyle/>
-          <a:p>
-            <a:r>
               <a:rPr lang="en-US" dirty="0" smtClean="0"/>
               <a:t>Docker-compose</a:t>
             </a:r>
@@ -5459,7 +5317,7 @@
 </p:sld>
 </file>
 
-<file path=ppt/slides/slide22.xml><?xml version="1.0" encoding="utf-8"?>
+<file path=ppt/slides/slide21.xml><?xml version="1.0" encoding="utf-8"?>
 <p:sld xmlns:a="http://schemas.openxmlformats.org/drawingml/2006/main" xmlns:r="http://schemas.openxmlformats.org/officeDocument/2006/relationships" xmlns:p="http://schemas.openxmlformats.org/presentationml/2006/main">
   <p:cSld>
     <p:spTree>
